--- a/Sales and Customer Behavior.pptx
+++ b/Sales and Customer Behavior.pptx
@@ -4586,7 +4586,7 @@
         </p:nvGrpSpPr>
         <p:grpSpPr>
           <a:xfrm rot="0">
-            <a:off x="2976003" y="1535122"/>
+            <a:off x="4690126" y="1665810"/>
             <a:ext cx="923912" cy="923912"/>
             <a:chOff x="0" y="0"/>
             <a:chExt cx="1231883" cy="1231883"/>
@@ -4759,7 +4759,7 @@
         </p:nvGrpSpPr>
         <p:grpSpPr>
           <a:xfrm rot="0">
-            <a:off x="12206614" y="1535122"/>
+            <a:off x="4690126" y="5314277"/>
             <a:ext cx="923912" cy="923912"/>
             <a:chOff x="0" y="0"/>
             <a:chExt cx="1231883" cy="1231883"/>
@@ -4932,7 +4932,7 @@
         </p:nvGrpSpPr>
         <p:grpSpPr>
           <a:xfrm rot="0">
-            <a:off x="6128505" y="5186060"/>
+            <a:off x="13830491" y="5346764"/>
             <a:ext cx="978423" cy="978423"/>
             <a:chOff x="0" y="0"/>
             <a:chExt cx="1304564" cy="1304564"/>
@@ -5105,7 +5105,7 @@
         </p:nvGrpSpPr>
         <p:grpSpPr>
           <a:xfrm rot="0">
-            <a:off x="9327360" y="1535122"/>
+            <a:off x="13953560" y="1775472"/>
             <a:ext cx="923912" cy="923912"/>
             <a:chOff x="0" y="0"/>
             <a:chExt cx="1231883" cy="1231883"/>
@@ -5278,7 +5278,7 @@
         </p:nvGrpSpPr>
         <p:grpSpPr>
           <a:xfrm rot="0">
-            <a:off x="15273652" y="1535122"/>
+            <a:off x="8748010" y="5419405"/>
             <a:ext cx="923912" cy="923912"/>
             <a:chOff x="0" y="0"/>
             <a:chExt cx="1231883" cy="1231883"/>
@@ -5451,7 +5451,7 @@
         </p:nvGrpSpPr>
         <p:grpSpPr>
           <a:xfrm rot="0">
-            <a:off x="6257913" y="1535122"/>
+            <a:off x="8681075" y="1665810"/>
             <a:ext cx="923912" cy="923912"/>
             <a:chOff x="0" y="0"/>
             <a:chExt cx="1231883" cy="1231883"/>
@@ -5797,7 +5797,7 @@
         </p:nvSpPr>
         <p:spPr>
           <a:xfrm rot="0">
-            <a:off x="2976003" y="2641282"/>
+            <a:off x="4690126" y="2771971"/>
             <a:ext cx="2752453" cy="2248237"/>
           </a:xfrm>
           <a:prstGeom prst="rect">
@@ -5841,7 +5841,7 @@
         </p:nvSpPr>
         <p:spPr>
           <a:xfrm rot="0">
-            <a:off x="6257913" y="2641282"/>
+            <a:off x="8681075" y="2771971"/>
             <a:ext cx="2752453" cy="1924441"/>
           </a:xfrm>
           <a:prstGeom prst="rect">
@@ -5885,7 +5885,7 @@
         </p:nvSpPr>
         <p:spPr>
           <a:xfrm rot="0">
-            <a:off x="9204290" y="2617827"/>
+            <a:off x="13830491" y="2858177"/>
             <a:ext cx="2752453" cy="2248237"/>
           </a:xfrm>
           <a:prstGeom prst="rect">
@@ -5929,7 +5929,7 @@
         </p:nvSpPr>
         <p:spPr>
           <a:xfrm rot="0">
-            <a:off x="12206614" y="2641282"/>
+            <a:off x="4690126" y="6420437"/>
             <a:ext cx="2752453" cy="2572033"/>
           </a:xfrm>
           <a:prstGeom prst="rect">
@@ -5973,7 +5973,7 @@
         </p:nvSpPr>
         <p:spPr>
           <a:xfrm rot="0">
-            <a:off x="15206717" y="2641282"/>
+            <a:off x="8681075" y="6525566"/>
             <a:ext cx="2752453" cy="953053"/>
           </a:xfrm>
           <a:prstGeom prst="rect">
@@ -6061,7 +6061,7 @@
         </p:nvSpPr>
         <p:spPr>
           <a:xfrm rot="0">
-            <a:off x="6128505" y="6259733"/>
+            <a:off x="13830491" y="6420437"/>
             <a:ext cx="4128679" cy="2572033"/>
           </a:xfrm>
           <a:prstGeom prst="rect">
